--- a/results_presentation.pptx
+++ b/results_presentation.pptx
@@ -23,7 +23,10 @@
     <p:sldId id="271" r:id="rId17"/>
     <p:sldId id="272" r:id="rId18"/>
     <p:sldId id="273" r:id="rId19"/>
-    <p:sldId id="274" r:id="rId20"/>
+    <p:sldId id="276" r:id="rId20"/>
+    <p:sldId id="277" r:id="rId21"/>
+    <p:sldId id="274" r:id="rId22"/>
+    <p:sldId id="275" r:id="rId23"/>
   </p:sldIdLst>
   <p:sldSz cx="12192000" cy="6858000"/>
   <p:notesSz cx="6858000" cy="9144000"/>
@@ -1161,11 +1164,11 @@
           <c:showPercent val="0"/>
           <c:showBubbleSize val="0"/>
         </c:dLbls>
-        <c:axId val="1999491280"/>
-        <c:axId val="1999489648"/>
+        <c:axId val="1030321408"/>
+        <c:axId val="1103221152"/>
       </c:scatterChart>
       <c:valAx>
-        <c:axId val="1999491280"/>
+        <c:axId val="1030321408"/>
         <c:scaling>
           <c:orientation val="minMax"/>
         </c:scaling>
@@ -1221,12 +1224,12 @@
             <a:endParaRPr lang="fr-FR"/>
           </a:p>
         </c:txPr>
-        <c:crossAx val="1999489648"/>
+        <c:crossAx val="1103221152"/>
         <c:crosses val="autoZero"/>
         <c:crossBetween val="midCat"/>
       </c:valAx>
       <c:valAx>
-        <c:axId val="1999489648"/>
+        <c:axId val="1103221152"/>
         <c:scaling>
           <c:orientation val="minMax"/>
         </c:scaling>
@@ -1283,7 +1286,7 @@
             <a:endParaRPr lang="fr-FR"/>
           </a:p>
         </c:txPr>
-        <c:crossAx val="1999491280"/>
+        <c:crossAx val="1030321408"/>
         <c:crosses val="autoZero"/>
         <c:crossBetween val="midCat"/>
       </c:valAx>
@@ -1394,7 +1397,6 @@
           </a:p>
         </c:rich>
       </c:tx>
-      <c:layout/>
       <c:overlay val="0"/>
       <c:spPr>
         <a:noFill/>
@@ -2353,11 +2355,11 @@
           <c:showPercent val="0"/>
           <c:showBubbleSize val="0"/>
         </c:dLbls>
-        <c:axId val="1919428528"/>
-        <c:axId val="1919426896"/>
+        <c:axId val="1103214624"/>
+        <c:axId val="1103218976"/>
       </c:scatterChart>
       <c:valAx>
-        <c:axId val="1919428528"/>
+        <c:axId val="1103214624"/>
         <c:scaling>
           <c:orientation val="minMax"/>
         </c:scaling>
@@ -2413,12 +2415,12 @@
             <a:endParaRPr lang="fr-FR"/>
           </a:p>
         </c:txPr>
-        <c:crossAx val="1919426896"/>
+        <c:crossAx val="1103218976"/>
         <c:crosses val="autoZero"/>
         <c:crossBetween val="midCat"/>
       </c:valAx>
       <c:valAx>
-        <c:axId val="1919426896"/>
+        <c:axId val="1103218976"/>
         <c:scaling>
           <c:orientation val="minMax"/>
         </c:scaling>
@@ -2475,7 +2477,7 @@
             <a:endParaRPr lang="fr-FR"/>
           </a:p>
         </c:txPr>
-        <c:crossAx val="1919428528"/>
+        <c:crossAx val="1103214624"/>
         <c:crosses val="autoZero"/>
         <c:crossBetween val="midCat"/>
       </c:valAx>
@@ -2489,7 +2491,6 @@
     </c:plotArea>
     <c:legend>
       <c:legendPos val="b"/>
-      <c:layout/>
       <c:overlay val="0"/>
       <c:spPr>
         <a:noFill/>
@@ -3566,11 +3567,11 @@
           <c:showPercent val="0"/>
           <c:showBubbleSize val="0"/>
         </c:dLbls>
-        <c:axId val="1919424720"/>
-        <c:axId val="1919416560"/>
+        <c:axId val="1103221696"/>
+        <c:axId val="1103220608"/>
       </c:scatterChart>
       <c:valAx>
-        <c:axId val="1919424720"/>
+        <c:axId val="1103221696"/>
         <c:scaling>
           <c:orientation val="minMax"/>
         </c:scaling>
@@ -3626,12 +3627,12 @@
             <a:endParaRPr lang="fr-FR"/>
           </a:p>
         </c:txPr>
-        <c:crossAx val="1919416560"/>
+        <c:crossAx val="1103220608"/>
         <c:crosses val="autoZero"/>
         <c:crossBetween val="midCat"/>
       </c:valAx>
       <c:valAx>
-        <c:axId val="1919416560"/>
+        <c:axId val="1103220608"/>
         <c:scaling>
           <c:orientation val="minMax"/>
         </c:scaling>
@@ -3688,7 +3689,7 @@
             <a:endParaRPr lang="fr-FR"/>
           </a:p>
         </c:txPr>
-        <c:crossAx val="1919424720"/>
+        <c:crossAx val="1103221696"/>
         <c:crosses val="autoZero"/>
         <c:crossBetween val="midCat"/>
       </c:valAx>
@@ -4757,11 +4758,11 @@
           <c:showPercent val="0"/>
           <c:showBubbleSize val="0"/>
         </c:dLbls>
-        <c:axId val="1919419824"/>
-        <c:axId val="1919422544"/>
+        <c:axId val="1103222240"/>
+        <c:axId val="1103216256"/>
       </c:scatterChart>
       <c:valAx>
-        <c:axId val="1919419824"/>
+        <c:axId val="1103222240"/>
         <c:scaling>
           <c:orientation val="minMax"/>
         </c:scaling>
@@ -4817,12 +4818,12 @@
             <a:endParaRPr lang="fr-FR"/>
           </a:p>
         </c:txPr>
-        <c:crossAx val="1919422544"/>
+        <c:crossAx val="1103216256"/>
         <c:crosses val="autoZero"/>
         <c:crossBetween val="midCat"/>
       </c:valAx>
       <c:valAx>
-        <c:axId val="1919422544"/>
+        <c:axId val="1103216256"/>
         <c:scaling>
           <c:orientation val="minMax"/>
         </c:scaling>
@@ -4879,7 +4880,7 @@
             <a:endParaRPr lang="fr-FR"/>
           </a:p>
         </c:txPr>
-        <c:crossAx val="1919419824"/>
+        <c:crossAx val="1103222240"/>
         <c:crosses val="autoZero"/>
         <c:crossBetween val="midCat"/>
       </c:valAx>
@@ -5413,11 +5414,11 @@
           <c:showPercent val="0"/>
           <c:showBubbleSize val="0"/>
         </c:dLbls>
-        <c:axId val="1999481488"/>
-        <c:axId val="1999490192"/>
+        <c:axId val="1103217888"/>
+        <c:axId val="1103224416"/>
       </c:scatterChart>
       <c:valAx>
-        <c:axId val="1999481488"/>
+        <c:axId val="1103217888"/>
         <c:scaling>
           <c:orientation val="minMax"/>
         </c:scaling>
@@ -5473,12 +5474,12 @@
             <a:endParaRPr lang="fr-FR"/>
           </a:p>
         </c:txPr>
-        <c:crossAx val="1999490192"/>
+        <c:crossAx val="1103224416"/>
         <c:crosses val="autoZero"/>
         <c:crossBetween val="midCat"/>
       </c:valAx>
       <c:valAx>
-        <c:axId val="1999490192"/>
+        <c:axId val="1103224416"/>
         <c:scaling>
           <c:orientation val="minMax"/>
         </c:scaling>
@@ -5535,7 +5536,7 @@
             <a:endParaRPr lang="fr-FR"/>
           </a:p>
         </c:txPr>
-        <c:crossAx val="1999481488"/>
+        <c:crossAx val="1103217888"/>
         <c:crosses val="autoZero"/>
         <c:crossBetween val="midCat"/>
       </c:valAx>
@@ -6604,11 +6605,11 @@
           <c:showPercent val="0"/>
           <c:showBubbleSize val="0"/>
         </c:dLbls>
-        <c:axId val="1999493456"/>
-        <c:axId val="1999478768"/>
+        <c:axId val="1103228768"/>
+        <c:axId val="1103227136"/>
       </c:scatterChart>
       <c:valAx>
-        <c:axId val="1999493456"/>
+        <c:axId val="1103228768"/>
         <c:scaling>
           <c:orientation val="minMax"/>
         </c:scaling>
@@ -6664,12 +6665,12 @@
             <a:endParaRPr lang="fr-FR"/>
           </a:p>
         </c:txPr>
-        <c:crossAx val="1999478768"/>
+        <c:crossAx val="1103227136"/>
         <c:crosses val="autoZero"/>
         <c:crossBetween val="midCat"/>
       </c:valAx>
       <c:valAx>
-        <c:axId val="1999478768"/>
+        <c:axId val="1103227136"/>
         <c:scaling>
           <c:orientation val="minMax"/>
         </c:scaling>
@@ -6726,7 +6727,7 @@
             <a:endParaRPr lang="fr-FR"/>
           </a:p>
         </c:txPr>
-        <c:crossAx val="1999493456"/>
+        <c:crossAx val="1103228768"/>
         <c:crosses val="autoZero"/>
         <c:crossBetween val="midCat"/>
       </c:valAx>
@@ -7816,11 +7817,11 @@
           <c:showPercent val="0"/>
           <c:showBubbleSize val="0"/>
         </c:dLbls>
-        <c:axId val="1939961840"/>
-        <c:axId val="1939956400"/>
+        <c:axId val="1103225504"/>
+        <c:axId val="1103222784"/>
       </c:scatterChart>
       <c:valAx>
-        <c:axId val="1939961840"/>
+        <c:axId val="1103225504"/>
         <c:scaling>
           <c:orientation val="minMax"/>
         </c:scaling>
@@ -7876,12 +7877,12 @@
             <a:endParaRPr lang="fr-FR"/>
           </a:p>
         </c:txPr>
-        <c:crossAx val="1939956400"/>
+        <c:crossAx val="1103222784"/>
         <c:crosses val="autoZero"/>
         <c:crossBetween val="midCat"/>
       </c:valAx>
       <c:valAx>
-        <c:axId val="1939956400"/>
+        <c:axId val="1103222784"/>
         <c:scaling>
           <c:orientation val="minMax"/>
           <c:min val="0.75000000000000011"/>
@@ -7936,7 +7937,7 @@
             <a:endParaRPr lang="fr-FR"/>
           </a:p>
         </c:txPr>
-        <c:crossAx val="1939961840"/>
+        <c:crossAx val="1103225504"/>
         <c:crosses val="autoZero"/>
         <c:crossBetween val="midCat"/>
       </c:valAx>
@@ -18147,11 +18148,11 @@
   <p:clrMapOvr>
     <a:masterClrMapping/>
   </p:clrMapOvr>
-  <mc:AlternateContent xmlns:mc="http://schemas.openxmlformats.org/markup-compatibility/2006">
-    <mc:Choice xmlns:p14="http://schemas.microsoft.com/office/powerpoint/2010/main" Requires="p14">
+  <mc:AlternateContent xmlns:mc="http://schemas.openxmlformats.org/markup-compatibility/2006" xmlns:p14="http://schemas.microsoft.com/office/powerpoint/2010/main">
+    <mc:Choice Requires="p14">
       <p:transition p14:dur="0"/>
     </mc:Choice>
-    <mc:Fallback>
+    <mc:Fallback xmlns="">
       <p:transition/>
     </mc:Fallback>
   </mc:AlternateContent>
@@ -18383,11 +18384,11 @@
   <p:clrMapOvr>
     <a:masterClrMapping/>
   </p:clrMapOvr>
-  <mc:AlternateContent xmlns:mc="http://schemas.openxmlformats.org/markup-compatibility/2006">
-    <mc:Choice xmlns:p14="http://schemas.microsoft.com/office/powerpoint/2010/main" Requires="p14">
+  <mc:AlternateContent xmlns:mc="http://schemas.openxmlformats.org/markup-compatibility/2006" xmlns:p14="http://schemas.microsoft.com/office/powerpoint/2010/main">
+    <mc:Choice Requires="p14">
       <p:transition p14:dur="0"/>
     </mc:Choice>
-    <mc:Fallback>
+    <mc:Fallback xmlns="">
       <p:transition/>
     </mc:Fallback>
   </mc:AlternateContent>
@@ -18619,11 +18620,11 @@
   <p:clrMapOvr>
     <a:masterClrMapping/>
   </p:clrMapOvr>
-  <mc:AlternateContent xmlns:mc="http://schemas.openxmlformats.org/markup-compatibility/2006">
-    <mc:Choice xmlns:p14="http://schemas.microsoft.com/office/powerpoint/2010/main" Requires="p14">
+  <mc:AlternateContent xmlns:mc="http://schemas.openxmlformats.org/markup-compatibility/2006" xmlns:p14="http://schemas.microsoft.com/office/powerpoint/2010/main">
+    <mc:Choice Requires="p14">
       <p:transition p14:dur="0"/>
     </mc:Choice>
-    <mc:Fallback>
+    <mc:Fallback xmlns="">
       <p:transition/>
     </mc:Fallback>
   </mc:AlternateContent>
@@ -18859,11 +18860,11 @@
   <p:clrMapOvr>
     <a:masterClrMapping/>
   </p:clrMapOvr>
-  <mc:AlternateContent xmlns:mc="http://schemas.openxmlformats.org/markup-compatibility/2006">
-    <mc:Choice xmlns:p14="http://schemas.microsoft.com/office/powerpoint/2010/main" Requires="p14">
+  <mc:AlternateContent xmlns:mc="http://schemas.openxmlformats.org/markup-compatibility/2006" xmlns:p14="http://schemas.microsoft.com/office/powerpoint/2010/main">
+    <mc:Choice Requires="p14">
       <p:transition p14:dur="0"/>
     </mc:Choice>
-    <mc:Fallback>
+    <mc:Fallback xmlns="">
       <p:transition/>
     </mc:Fallback>
   </mc:AlternateContent>
@@ -19095,11 +19096,11 @@
   <p:clrMapOvr>
     <a:masterClrMapping/>
   </p:clrMapOvr>
-  <mc:AlternateContent xmlns:mc="http://schemas.openxmlformats.org/markup-compatibility/2006">
-    <mc:Choice xmlns:p14="http://schemas.microsoft.com/office/powerpoint/2010/main" Requires="p14">
+  <mc:AlternateContent xmlns:mc="http://schemas.openxmlformats.org/markup-compatibility/2006" xmlns:p14="http://schemas.microsoft.com/office/powerpoint/2010/main">
+    <mc:Choice Requires="p14">
       <p:transition p14:dur="0"/>
     </mc:Choice>
-    <mc:Fallback>
+    <mc:Fallback xmlns="">
       <p:transition/>
     </mc:Fallback>
   </mc:AlternateContent>
@@ -19228,11 +19229,11 @@
   <p:clrMapOvr>
     <a:masterClrMapping/>
   </p:clrMapOvr>
-  <mc:AlternateContent xmlns:mc="http://schemas.openxmlformats.org/markup-compatibility/2006">
-    <mc:Choice xmlns:p14="http://schemas.microsoft.com/office/powerpoint/2010/main" Requires="p14">
+  <mc:AlternateContent xmlns:mc="http://schemas.openxmlformats.org/markup-compatibility/2006" xmlns:p14="http://schemas.microsoft.com/office/powerpoint/2010/main">
+    <mc:Choice Requires="p14">
       <p:transition p14:dur="0"/>
     </mc:Choice>
-    <mc:Fallback>
+    <mc:Fallback xmlns="">
       <p:transition/>
     </mc:Fallback>
   </mc:AlternateContent>
@@ -19385,11 +19386,11 @@
   <p:clrMapOvr>
     <a:masterClrMapping/>
   </p:clrMapOvr>
-  <mc:AlternateContent xmlns:mc="http://schemas.openxmlformats.org/markup-compatibility/2006">
-    <mc:Choice xmlns:p14="http://schemas.microsoft.com/office/powerpoint/2010/main" Requires="p14">
+  <mc:AlternateContent xmlns:mc="http://schemas.openxmlformats.org/markup-compatibility/2006" xmlns:p14="http://schemas.microsoft.com/office/powerpoint/2010/main">
+    <mc:Choice Requires="p14">
       <p:transition p14:dur="0"/>
     </mc:Choice>
-    <mc:Fallback>
+    <mc:Fallback xmlns="">
       <p:transition/>
     </mc:Fallback>
   </mc:AlternateContent>
@@ -19542,11 +19543,11 @@
   <p:clrMapOvr>
     <a:masterClrMapping/>
   </p:clrMapOvr>
-  <mc:AlternateContent xmlns:mc="http://schemas.openxmlformats.org/markup-compatibility/2006">
-    <mc:Choice xmlns:p14="http://schemas.microsoft.com/office/powerpoint/2010/main" Requires="p14">
+  <mc:AlternateContent xmlns:mc="http://schemas.openxmlformats.org/markup-compatibility/2006" xmlns:p14="http://schemas.microsoft.com/office/powerpoint/2010/main">
+    <mc:Choice Requires="p14">
       <p:transition p14:dur="0"/>
     </mc:Choice>
-    <mc:Fallback>
+    <mc:Fallback xmlns="">
       <p:transition/>
     </mc:Fallback>
   </mc:AlternateContent>
@@ -19699,11 +19700,11 @@
   <p:clrMapOvr>
     <a:masterClrMapping/>
   </p:clrMapOvr>
-  <mc:AlternateContent xmlns:mc="http://schemas.openxmlformats.org/markup-compatibility/2006">
-    <mc:Choice xmlns:p14="http://schemas.microsoft.com/office/powerpoint/2010/main" Requires="p14">
+  <mc:AlternateContent xmlns:mc="http://schemas.openxmlformats.org/markup-compatibility/2006" xmlns:p14="http://schemas.microsoft.com/office/powerpoint/2010/main">
+    <mc:Choice Requires="p14">
       <p:transition p14:dur="0"/>
     </mc:Choice>
-    <mc:Fallback>
+    <mc:Fallback xmlns="">
       <p:transition/>
     </mc:Fallback>
   </mc:AlternateContent>
@@ -19718,6 +19719,1532 @@
 </file>
 
 <file path=ppt/slides/slide19.xml><?xml version="1.0" encoding="utf-8"?>
+<p:sld xmlns:a="http://schemas.openxmlformats.org/drawingml/2006/main" xmlns:r="http://schemas.openxmlformats.org/officeDocument/2006/relationships" xmlns:p="http://schemas.openxmlformats.org/presentationml/2006/main">
+  <p:cSld>
+    <p:spTree>
+      <p:nvGrpSpPr>
+        <p:cNvPr id="1" name=""/>
+        <p:cNvGrpSpPr/>
+        <p:nvPr/>
+      </p:nvGrpSpPr>
+      <p:grpSpPr>
+        <a:xfrm>
+          <a:off x="0" y="0"/>
+          <a:ext cx="0" cy="0"/>
+          <a:chOff x="0" y="0"/>
+          <a:chExt cx="0" cy="0"/>
+        </a:xfrm>
+      </p:grpSpPr>
+      <p:sp>
+        <p:nvSpPr>
+          <p:cNvPr id="4" name="Titre 3"/>
+          <p:cNvSpPr>
+            <a:spLocks noGrp="1"/>
+          </p:cNvSpPr>
+          <p:nvPr>
+            <p:ph type="ctrTitle"/>
+          </p:nvPr>
+        </p:nvSpPr>
+        <p:spPr>
+          <a:xfrm>
+            <a:off x="1066799" y="558800"/>
+            <a:ext cx="7924801" cy="702734"/>
+          </a:xfrm>
+        </p:spPr>
+        <p:txBody>
+          <a:bodyPr/>
+          <a:lstStyle/>
+          <a:p>
+            <a:pPr algn="l"/>
+            <a:r>
+              <a:rPr lang="fr-FR" dirty="0"/>
+              <a:t>5</a:t>
+            </a:r>
+            <a:r>
+              <a:rPr lang="fr-FR" dirty="0" smtClean="0"/>
+              <a:t> –Comparaison</a:t>
+            </a:r>
+            <a:endParaRPr lang="fr-FR" dirty="0"/>
+          </a:p>
+        </p:txBody>
+      </p:sp>
+      <p:sp>
+        <p:nvSpPr>
+          <p:cNvPr id="8" name="ZoneTexte 7"/>
+          <p:cNvSpPr txBox="1"/>
+          <p:nvPr/>
+        </p:nvSpPr>
+        <p:spPr>
+          <a:xfrm>
+            <a:off x="0" y="6488668"/>
+            <a:ext cx="1066798" cy="369332"/>
+          </a:xfrm>
+          <a:prstGeom prst="rect">
+            <a:avLst/>
+          </a:prstGeom>
+          <a:noFill/>
+        </p:spPr>
+        <p:txBody>
+          <a:bodyPr wrap="square" rtlCol="0">
+            <a:spAutoFit/>
+          </a:bodyPr>
+          <a:lstStyle/>
+          <a:p>
+            <a:pPr algn="ctr"/>
+            <a:r>
+              <a:rPr lang="fr-FR" dirty="0" smtClean="0"/>
+              <a:t>15</a:t>
+            </a:r>
+            <a:endParaRPr lang="fr-FR" dirty="0"/>
+          </a:p>
+        </p:txBody>
+      </p:sp>
+      <p:grpSp>
+        <p:nvGrpSpPr>
+          <p:cNvPr id="2" name="Groupe 1"/>
+          <p:cNvGrpSpPr/>
+          <p:nvPr/>
+        </p:nvGrpSpPr>
+        <p:grpSpPr>
+          <a:xfrm>
+            <a:off x="574397" y="1715100"/>
+            <a:ext cx="11043205" cy="4320001"/>
+            <a:chOff x="465665" y="1715100"/>
+            <a:chExt cx="11043205" cy="4320001"/>
+          </a:xfrm>
+        </p:grpSpPr>
+        <p:pic>
+          <p:nvPicPr>
+            <p:cNvPr id="7" name="Image 6"/>
+            <p:cNvPicPr>
+              <a:picLocks/>
+            </p:cNvPicPr>
+            <p:nvPr/>
+          </p:nvPicPr>
+          <p:blipFill>
+            <a:blip r:embed="rId2"/>
+            <a:stretch>
+              <a:fillRect/>
+            </a:stretch>
+          </p:blipFill>
+          <p:spPr>
+            <a:xfrm>
+              <a:off x="465665" y="1715100"/>
+              <a:ext cx="3600000" cy="4320000"/>
+            </a:xfrm>
+            <a:prstGeom prst="rect">
+              <a:avLst/>
+            </a:prstGeom>
+          </p:spPr>
+        </p:pic>
+        <p:pic>
+          <p:nvPicPr>
+            <p:cNvPr id="9" name="Image 8"/>
+            <p:cNvPicPr>
+              <a:picLocks/>
+            </p:cNvPicPr>
+            <p:nvPr/>
+          </p:nvPicPr>
+          <p:blipFill>
+            <a:blip r:embed="rId3"/>
+            <a:stretch>
+              <a:fillRect/>
+            </a:stretch>
+          </p:blipFill>
+          <p:spPr>
+            <a:xfrm>
+              <a:off x="4065665" y="1715100"/>
+              <a:ext cx="3600000" cy="4320000"/>
+            </a:xfrm>
+            <a:prstGeom prst="rect">
+              <a:avLst/>
+            </a:prstGeom>
+          </p:spPr>
+        </p:pic>
+        <p:pic>
+          <p:nvPicPr>
+            <p:cNvPr id="10" name="Image 9"/>
+            <p:cNvPicPr>
+              <a:picLocks noChangeAspect="1"/>
+            </p:cNvPicPr>
+            <p:nvPr/>
+          </p:nvPicPr>
+          <p:blipFill>
+            <a:blip r:embed="rId4"/>
+            <a:stretch>
+              <a:fillRect/>
+            </a:stretch>
+          </p:blipFill>
+          <p:spPr>
+            <a:xfrm>
+              <a:off x="7665665" y="1715101"/>
+              <a:ext cx="3843205" cy="4320000"/>
+            </a:xfrm>
+            <a:prstGeom prst="rect">
+              <a:avLst/>
+            </a:prstGeom>
+          </p:spPr>
+        </p:pic>
+      </p:grpSp>
+      <p:sp>
+        <p:nvSpPr>
+          <p:cNvPr id="11" name="Titre 3"/>
+          <p:cNvSpPr txBox="1">
+            <a:spLocks/>
+          </p:cNvSpPr>
+          <p:nvPr/>
+        </p:nvSpPr>
+        <p:spPr>
+          <a:xfrm>
+            <a:off x="574397" y="6035100"/>
+            <a:ext cx="3579502" cy="363283"/>
+          </a:xfrm>
+          <a:prstGeom prst="rect">
+            <a:avLst/>
+          </a:prstGeom>
+        </p:spPr>
+        <p:txBody>
+          <a:bodyPr vert="horz" lIns="91440" tIns="45720" rIns="91440" bIns="45720" rtlCol="0" anchor="ctr">
+            <a:noAutofit/>
+          </a:bodyPr>
+          <a:lstStyle>
+            <a:lvl1pPr algn="r" defTabSz="457200" rtl="0" eaLnBrk="1" latinLnBrk="0" hangingPunct="1">
+              <a:spcBef>
+                <a:spcPct val="0"/>
+              </a:spcBef>
+              <a:buNone/>
+              <a:defRPr sz="5400" kern="1200">
+                <a:solidFill>
+                  <a:schemeClr val="accent1"/>
+                </a:solidFill>
+                <a:latin typeface="+mj-lt"/>
+                <a:ea typeface="+mj-ea"/>
+                <a:cs typeface="+mj-cs"/>
+              </a:defRPr>
+            </a:lvl1pPr>
+            <a:lvl2pPr eaLnBrk="1" hangingPunct="1">
+              <a:defRPr>
+                <a:solidFill>
+                  <a:schemeClr val="tx2"/>
+                </a:solidFill>
+              </a:defRPr>
+            </a:lvl2pPr>
+            <a:lvl3pPr eaLnBrk="1" hangingPunct="1">
+              <a:defRPr>
+                <a:solidFill>
+                  <a:schemeClr val="tx2"/>
+                </a:solidFill>
+              </a:defRPr>
+            </a:lvl3pPr>
+            <a:lvl4pPr eaLnBrk="1" hangingPunct="1">
+              <a:defRPr>
+                <a:solidFill>
+                  <a:schemeClr val="tx2"/>
+                </a:solidFill>
+              </a:defRPr>
+            </a:lvl4pPr>
+            <a:lvl5pPr eaLnBrk="1" hangingPunct="1">
+              <a:defRPr>
+                <a:solidFill>
+                  <a:schemeClr val="tx2"/>
+                </a:solidFill>
+              </a:defRPr>
+            </a:lvl5pPr>
+            <a:lvl6pPr eaLnBrk="1" hangingPunct="1">
+              <a:defRPr>
+                <a:solidFill>
+                  <a:schemeClr val="tx2"/>
+                </a:solidFill>
+              </a:defRPr>
+            </a:lvl6pPr>
+            <a:lvl7pPr eaLnBrk="1" hangingPunct="1">
+              <a:defRPr>
+                <a:solidFill>
+                  <a:schemeClr val="tx2"/>
+                </a:solidFill>
+              </a:defRPr>
+            </a:lvl7pPr>
+            <a:lvl8pPr eaLnBrk="1" hangingPunct="1">
+              <a:defRPr>
+                <a:solidFill>
+                  <a:schemeClr val="tx2"/>
+                </a:solidFill>
+              </a:defRPr>
+            </a:lvl8pPr>
+            <a:lvl9pPr eaLnBrk="1" hangingPunct="1">
+              <a:defRPr>
+                <a:solidFill>
+                  <a:schemeClr val="tx2"/>
+                </a:solidFill>
+              </a:defRPr>
+            </a:lvl9pPr>
+          </a:lstStyle>
+          <a:p>
+            <a:pPr algn="ctr"/>
+            <a:r>
+              <a:rPr lang="fr-FR" sz="1800" dirty="0" smtClean="0"/>
+              <a:t>Test 1</a:t>
+            </a:r>
+            <a:endParaRPr lang="fr-FR" sz="2800" dirty="0"/>
+          </a:p>
+        </p:txBody>
+      </p:sp>
+      <p:sp>
+        <p:nvSpPr>
+          <p:cNvPr id="12" name="Titre 3"/>
+          <p:cNvSpPr txBox="1">
+            <a:spLocks/>
+          </p:cNvSpPr>
+          <p:nvPr/>
+        </p:nvSpPr>
+        <p:spPr>
+          <a:xfrm>
+            <a:off x="4184646" y="6035100"/>
+            <a:ext cx="3579502" cy="363283"/>
+          </a:xfrm>
+          <a:prstGeom prst="rect">
+            <a:avLst/>
+          </a:prstGeom>
+        </p:spPr>
+        <p:txBody>
+          <a:bodyPr vert="horz" lIns="91440" tIns="45720" rIns="91440" bIns="45720" rtlCol="0" anchor="ctr">
+            <a:noAutofit/>
+          </a:bodyPr>
+          <a:lstStyle>
+            <a:lvl1pPr algn="r" defTabSz="457200" rtl="0" eaLnBrk="1" latinLnBrk="0" hangingPunct="1">
+              <a:spcBef>
+                <a:spcPct val="0"/>
+              </a:spcBef>
+              <a:buNone/>
+              <a:defRPr sz="5400" kern="1200">
+                <a:solidFill>
+                  <a:schemeClr val="accent1"/>
+                </a:solidFill>
+                <a:latin typeface="+mj-lt"/>
+                <a:ea typeface="+mj-ea"/>
+                <a:cs typeface="+mj-cs"/>
+              </a:defRPr>
+            </a:lvl1pPr>
+            <a:lvl2pPr eaLnBrk="1" hangingPunct="1">
+              <a:defRPr>
+                <a:solidFill>
+                  <a:schemeClr val="tx2"/>
+                </a:solidFill>
+              </a:defRPr>
+            </a:lvl2pPr>
+            <a:lvl3pPr eaLnBrk="1" hangingPunct="1">
+              <a:defRPr>
+                <a:solidFill>
+                  <a:schemeClr val="tx2"/>
+                </a:solidFill>
+              </a:defRPr>
+            </a:lvl3pPr>
+            <a:lvl4pPr eaLnBrk="1" hangingPunct="1">
+              <a:defRPr>
+                <a:solidFill>
+                  <a:schemeClr val="tx2"/>
+                </a:solidFill>
+              </a:defRPr>
+            </a:lvl4pPr>
+            <a:lvl5pPr eaLnBrk="1" hangingPunct="1">
+              <a:defRPr>
+                <a:solidFill>
+                  <a:schemeClr val="tx2"/>
+                </a:solidFill>
+              </a:defRPr>
+            </a:lvl5pPr>
+            <a:lvl6pPr eaLnBrk="1" hangingPunct="1">
+              <a:defRPr>
+                <a:solidFill>
+                  <a:schemeClr val="tx2"/>
+                </a:solidFill>
+              </a:defRPr>
+            </a:lvl6pPr>
+            <a:lvl7pPr eaLnBrk="1" hangingPunct="1">
+              <a:defRPr>
+                <a:solidFill>
+                  <a:schemeClr val="tx2"/>
+                </a:solidFill>
+              </a:defRPr>
+            </a:lvl7pPr>
+            <a:lvl8pPr eaLnBrk="1" hangingPunct="1">
+              <a:defRPr>
+                <a:solidFill>
+                  <a:schemeClr val="tx2"/>
+                </a:solidFill>
+              </a:defRPr>
+            </a:lvl8pPr>
+            <a:lvl9pPr eaLnBrk="1" hangingPunct="1">
+              <a:defRPr>
+                <a:solidFill>
+                  <a:schemeClr val="tx2"/>
+                </a:solidFill>
+              </a:defRPr>
+            </a:lvl9pPr>
+          </a:lstStyle>
+          <a:p>
+            <a:pPr algn="ctr"/>
+            <a:r>
+              <a:rPr lang="fr-FR" sz="1800" dirty="0" smtClean="0"/>
+              <a:t>Test 2</a:t>
+            </a:r>
+            <a:endParaRPr lang="fr-FR" sz="2800" dirty="0"/>
+          </a:p>
+        </p:txBody>
+      </p:sp>
+      <p:sp>
+        <p:nvSpPr>
+          <p:cNvPr id="13" name="Titre 3"/>
+          <p:cNvSpPr txBox="1">
+            <a:spLocks/>
+          </p:cNvSpPr>
+          <p:nvPr/>
+        </p:nvSpPr>
+        <p:spPr>
+          <a:xfrm>
+            <a:off x="7906248" y="6004433"/>
+            <a:ext cx="3579502" cy="363283"/>
+          </a:xfrm>
+          <a:prstGeom prst="rect">
+            <a:avLst/>
+          </a:prstGeom>
+        </p:spPr>
+        <p:txBody>
+          <a:bodyPr vert="horz" lIns="91440" tIns="45720" rIns="91440" bIns="45720" rtlCol="0" anchor="ctr">
+            <a:noAutofit/>
+          </a:bodyPr>
+          <a:lstStyle>
+            <a:lvl1pPr algn="r" defTabSz="457200" rtl="0" eaLnBrk="1" latinLnBrk="0" hangingPunct="1">
+              <a:spcBef>
+                <a:spcPct val="0"/>
+              </a:spcBef>
+              <a:buNone/>
+              <a:defRPr sz="5400" kern="1200">
+                <a:solidFill>
+                  <a:schemeClr val="accent1"/>
+                </a:solidFill>
+                <a:latin typeface="+mj-lt"/>
+                <a:ea typeface="+mj-ea"/>
+                <a:cs typeface="+mj-cs"/>
+              </a:defRPr>
+            </a:lvl1pPr>
+            <a:lvl2pPr eaLnBrk="1" hangingPunct="1">
+              <a:defRPr>
+                <a:solidFill>
+                  <a:schemeClr val="tx2"/>
+                </a:solidFill>
+              </a:defRPr>
+            </a:lvl2pPr>
+            <a:lvl3pPr eaLnBrk="1" hangingPunct="1">
+              <a:defRPr>
+                <a:solidFill>
+                  <a:schemeClr val="tx2"/>
+                </a:solidFill>
+              </a:defRPr>
+            </a:lvl3pPr>
+            <a:lvl4pPr eaLnBrk="1" hangingPunct="1">
+              <a:defRPr>
+                <a:solidFill>
+                  <a:schemeClr val="tx2"/>
+                </a:solidFill>
+              </a:defRPr>
+            </a:lvl4pPr>
+            <a:lvl5pPr eaLnBrk="1" hangingPunct="1">
+              <a:defRPr>
+                <a:solidFill>
+                  <a:schemeClr val="tx2"/>
+                </a:solidFill>
+              </a:defRPr>
+            </a:lvl5pPr>
+            <a:lvl6pPr eaLnBrk="1" hangingPunct="1">
+              <a:defRPr>
+                <a:solidFill>
+                  <a:schemeClr val="tx2"/>
+                </a:solidFill>
+              </a:defRPr>
+            </a:lvl6pPr>
+            <a:lvl7pPr eaLnBrk="1" hangingPunct="1">
+              <a:defRPr>
+                <a:solidFill>
+                  <a:schemeClr val="tx2"/>
+                </a:solidFill>
+              </a:defRPr>
+            </a:lvl7pPr>
+            <a:lvl8pPr eaLnBrk="1" hangingPunct="1">
+              <a:defRPr>
+                <a:solidFill>
+                  <a:schemeClr val="tx2"/>
+                </a:solidFill>
+              </a:defRPr>
+            </a:lvl8pPr>
+            <a:lvl9pPr eaLnBrk="1" hangingPunct="1">
+              <a:defRPr>
+                <a:solidFill>
+                  <a:schemeClr val="tx2"/>
+                </a:solidFill>
+              </a:defRPr>
+            </a:lvl9pPr>
+          </a:lstStyle>
+          <a:p>
+            <a:pPr algn="ctr"/>
+            <a:r>
+              <a:rPr lang="fr-FR" sz="1800" dirty="0" smtClean="0">
+                <a:solidFill>
+                  <a:schemeClr val="tx1"/>
+                </a:solidFill>
+              </a:rPr>
+              <a:t>Test additionnel</a:t>
+            </a:r>
+            <a:endParaRPr lang="fr-FR" sz="2800" dirty="0">
+              <a:solidFill>
+                <a:schemeClr val="tx1"/>
+              </a:solidFill>
+            </a:endParaRPr>
+          </a:p>
+        </p:txBody>
+      </p:sp>
+    </p:spTree>
+    <p:extLst>
+      <p:ext uri="{BB962C8B-B14F-4D97-AF65-F5344CB8AC3E}">
+        <p14:creationId xmlns:p14="http://schemas.microsoft.com/office/powerpoint/2010/main" val="817076612"/>
+      </p:ext>
+    </p:extLst>
+  </p:cSld>
+  <p:clrMapOvr>
+    <a:masterClrMapping/>
+  </p:clrMapOvr>
+  <mc:AlternateContent xmlns:mc="http://schemas.openxmlformats.org/markup-compatibility/2006" xmlns:p14="http://schemas.microsoft.com/office/powerpoint/2010/main">
+    <mc:Choice Requires="p14">
+      <p:transition p14:dur="0"/>
+    </mc:Choice>
+    <mc:Fallback xmlns="">
+      <p:transition/>
+    </mc:Fallback>
+  </mc:AlternateContent>
+  <p:timing>
+    <p:tnLst>
+      <p:par>
+        <p:cTn id="1" dur="indefinite" restart="never" nodeType="tmRoot"/>
+      </p:par>
+    </p:tnLst>
+  </p:timing>
+</p:sld>
+</file>
+
+<file path=ppt/slides/slide2.xml><?xml version="1.0" encoding="utf-8"?>
+<p:sld xmlns:a="http://schemas.openxmlformats.org/drawingml/2006/main" xmlns:r="http://schemas.openxmlformats.org/officeDocument/2006/relationships" xmlns:p="http://schemas.openxmlformats.org/presentationml/2006/main">
+  <p:cSld>
+    <p:spTree>
+      <p:nvGrpSpPr>
+        <p:cNvPr id="1" name=""/>
+        <p:cNvGrpSpPr/>
+        <p:nvPr/>
+      </p:nvGrpSpPr>
+      <p:grpSpPr>
+        <a:xfrm>
+          <a:off x="0" y="0"/>
+          <a:ext cx="0" cy="0"/>
+          <a:chOff x="0" y="0"/>
+          <a:chExt cx="0" cy="0"/>
+        </a:xfrm>
+      </p:grpSpPr>
+      <p:sp>
+        <p:nvSpPr>
+          <p:cNvPr id="6" name="Titre 3"/>
+          <p:cNvSpPr>
+            <a:spLocks noGrp="1"/>
+          </p:cNvSpPr>
+          <p:nvPr>
+            <p:ph type="ctrTitle"/>
+          </p:nvPr>
+        </p:nvSpPr>
+        <p:spPr>
+          <a:xfrm>
+            <a:off x="1066799" y="558800"/>
+            <a:ext cx="7924801" cy="702734"/>
+          </a:xfrm>
+        </p:spPr>
+        <p:txBody>
+          <a:bodyPr/>
+          <a:lstStyle/>
+          <a:p>
+            <a:pPr algn="l"/>
+            <a:r>
+              <a:rPr lang="fr-FR" dirty="0" smtClean="0"/>
+              <a:t>Sommaire</a:t>
+            </a:r>
+            <a:endParaRPr lang="fr-FR" dirty="0"/>
+          </a:p>
+        </p:txBody>
+      </p:sp>
+      <p:sp>
+        <p:nvSpPr>
+          <p:cNvPr id="7" name="ZoneTexte 6"/>
+          <p:cNvSpPr txBox="1"/>
+          <p:nvPr/>
+        </p:nvSpPr>
+        <p:spPr>
+          <a:xfrm>
+            <a:off x="1066799" y="1582340"/>
+            <a:ext cx="4076700" cy="3970318"/>
+          </a:xfrm>
+          <a:prstGeom prst="rect">
+            <a:avLst/>
+          </a:prstGeom>
+          <a:noFill/>
+        </p:spPr>
+        <p:txBody>
+          <a:bodyPr wrap="square" rtlCol="0">
+            <a:spAutoFit/>
+          </a:bodyPr>
+          <a:lstStyle/>
+          <a:p>
+            <a:pPr marL="342900" indent="-342900">
+              <a:buFont typeface="+mj-lt"/>
+              <a:buAutoNum type="arabicPeriod"/>
+            </a:pPr>
+            <a:r>
+              <a:rPr lang="fr-FR" dirty="0" smtClean="0"/>
+              <a:t>Test 1 – 1 modelé par médicament et hôpital / Data set unifié</a:t>
+            </a:r>
+          </a:p>
+          <a:p>
+            <a:pPr marL="342900" indent="-342900">
+              <a:buFont typeface="+mj-lt"/>
+              <a:buAutoNum type="arabicPeriod"/>
+            </a:pPr>
+            <a:r>
+              <a:rPr lang="fr-FR" dirty="0" smtClean="0"/>
+              <a:t>Test 2 – 1 modelé par cluster et hôpital / Data set unifié</a:t>
+            </a:r>
+          </a:p>
+          <a:p>
+            <a:pPr marL="342900" indent="-342900">
+              <a:buFont typeface="+mj-lt"/>
+              <a:buAutoNum type="arabicPeriod"/>
+            </a:pPr>
+            <a:r>
+              <a:rPr lang="fr-FR" dirty="0" smtClean="0"/>
+              <a:t>Test 3 – 1 modelé par cluster et hôpital / Data set unifié / test sans 1 médicament</a:t>
+            </a:r>
+            <a:endParaRPr lang="fr-FR" dirty="0"/>
+          </a:p>
+          <a:p>
+            <a:pPr marL="342900" indent="-342900">
+              <a:buFont typeface="+mj-lt"/>
+              <a:buAutoNum type="arabicPeriod"/>
+            </a:pPr>
+            <a:r>
+              <a:rPr lang="fr-FR" dirty="0" smtClean="0"/>
+              <a:t>Test 4 – 1 modelé par cluster et hôpital / Data set unifié / test sans 1 hôpital</a:t>
+            </a:r>
+            <a:endParaRPr lang="fr-FR" dirty="0"/>
+          </a:p>
+          <a:p>
+            <a:pPr marL="342900" indent="-342900">
+              <a:buFont typeface="+mj-lt"/>
+              <a:buAutoNum type="arabicPeriod"/>
+            </a:pPr>
+            <a:r>
+              <a:rPr lang="fr-FR" dirty="0" smtClean="0"/>
+              <a:t>Comparaison entre les tests</a:t>
+            </a:r>
+          </a:p>
+          <a:p>
+            <a:pPr marL="342900" indent="-342900">
+              <a:buFont typeface="+mj-lt"/>
+              <a:buAutoNum type="arabicPeriod"/>
+            </a:pPr>
+            <a:r>
+              <a:rPr lang="fr-FR" dirty="0" smtClean="0"/>
+              <a:t>Test additionnel</a:t>
+            </a:r>
+          </a:p>
+          <a:p>
+            <a:endParaRPr lang="fr-FR" dirty="0" smtClean="0"/>
+          </a:p>
+          <a:p>
+            <a:endParaRPr lang="fr-FR" dirty="0" smtClean="0"/>
+          </a:p>
+        </p:txBody>
+      </p:sp>
+    </p:spTree>
+    <p:extLst>
+      <p:ext uri="{BB962C8B-B14F-4D97-AF65-F5344CB8AC3E}">
+        <p14:creationId xmlns:p14="http://schemas.microsoft.com/office/powerpoint/2010/main" val="186978591"/>
+      </p:ext>
+    </p:extLst>
+  </p:cSld>
+  <p:clrMapOvr>
+    <a:masterClrMapping/>
+  </p:clrMapOvr>
+  <mc:AlternateContent xmlns:mc="http://schemas.openxmlformats.org/markup-compatibility/2006" xmlns:p14="http://schemas.microsoft.com/office/powerpoint/2010/main">
+    <mc:Choice Requires="p14">
+      <p:transition p14:dur="0"/>
+    </mc:Choice>
+    <mc:Fallback xmlns="">
+      <p:transition/>
+    </mc:Fallback>
+  </mc:AlternateContent>
+  <p:timing>
+    <p:tnLst>
+      <p:par>
+        <p:cTn id="1" dur="indefinite" restart="never" nodeType="tmRoot"/>
+      </p:par>
+    </p:tnLst>
+  </p:timing>
+</p:sld>
+</file>
+
+<file path=ppt/slides/slide20.xml><?xml version="1.0" encoding="utf-8"?>
+<p:sld xmlns:a="http://schemas.openxmlformats.org/drawingml/2006/main" xmlns:r="http://schemas.openxmlformats.org/officeDocument/2006/relationships" xmlns:p="http://schemas.openxmlformats.org/presentationml/2006/main">
+  <p:cSld>
+    <p:spTree>
+      <p:nvGrpSpPr>
+        <p:cNvPr id="1" name=""/>
+        <p:cNvGrpSpPr/>
+        <p:nvPr/>
+      </p:nvGrpSpPr>
+      <p:grpSpPr>
+        <a:xfrm>
+          <a:off x="0" y="0"/>
+          <a:ext cx="0" cy="0"/>
+          <a:chOff x="0" y="0"/>
+          <a:chExt cx="0" cy="0"/>
+        </a:xfrm>
+      </p:grpSpPr>
+      <p:sp>
+        <p:nvSpPr>
+          <p:cNvPr id="4" name="Titre 3"/>
+          <p:cNvSpPr>
+            <a:spLocks noGrp="1"/>
+          </p:cNvSpPr>
+          <p:nvPr>
+            <p:ph type="ctrTitle"/>
+          </p:nvPr>
+        </p:nvSpPr>
+        <p:spPr>
+          <a:xfrm>
+            <a:off x="1066799" y="558800"/>
+            <a:ext cx="7924801" cy="702734"/>
+          </a:xfrm>
+        </p:spPr>
+        <p:txBody>
+          <a:bodyPr/>
+          <a:lstStyle/>
+          <a:p>
+            <a:pPr algn="l"/>
+            <a:r>
+              <a:rPr lang="fr-FR" dirty="0"/>
+              <a:t>5</a:t>
+            </a:r>
+            <a:r>
+              <a:rPr lang="fr-FR" dirty="0" smtClean="0"/>
+              <a:t> –Comparaison</a:t>
+            </a:r>
+            <a:endParaRPr lang="fr-FR" dirty="0"/>
+          </a:p>
+        </p:txBody>
+      </p:sp>
+      <p:sp>
+        <p:nvSpPr>
+          <p:cNvPr id="8" name="ZoneTexte 7"/>
+          <p:cNvSpPr txBox="1"/>
+          <p:nvPr/>
+        </p:nvSpPr>
+        <p:spPr>
+          <a:xfrm>
+            <a:off x="0" y="6488668"/>
+            <a:ext cx="1066798" cy="369332"/>
+          </a:xfrm>
+          <a:prstGeom prst="rect">
+            <a:avLst/>
+          </a:prstGeom>
+          <a:noFill/>
+        </p:spPr>
+        <p:txBody>
+          <a:bodyPr wrap="square" rtlCol="0">
+            <a:spAutoFit/>
+          </a:bodyPr>
+          <a:lstStyle/>
+          <a:p>
+            <a:pPr algn="ctr"/>
+            <a:r>
+              <a:rPr lang="fr-FR" dirty="0" smtClean="0"/>
+              <a:t>15</a:t>
+            </a:r>
+            <a:endParaRPr lang="fr-FR" dirty="0"/>
+          </a:p>
+        </p:txBody>
+      </p:sp>
+      <p:sp>
+        <p:nvSpPr>
+          <p:cNvPr id="11" name="Titre 3"/>
+          <p:cNvSpPr txBox="1">
+            <a:spLocks/>
+          </p:cNvSpPr>
+          <p:nvPr/>
+        </p:nvSpPr>
+        <p:spPr>
+          <a:xfrm>
+            <a:off x="533399" y="4948535"/>
+            <a:ext cx="2700000" cy="363283"/>
+          </a:xfrm>
+          <a:prstGeom prst="rect">
+            <a:avLst/>
+          </a:prstGeom>
+        </p:spPr>
+        <p:txBody>
+          <a:bodyPr vert="horz" lIns="91440" tIns="45720" rIns="91440" bIns="45720" rtlCol="0" anchor="ctr">
+            <a:noAutofit/>
+          </a:bodyPr>
+          <a:lstStyle>
+            <a:lvl1pPr algn="r" defTabSz="457200" rtl="0" eaLnBrk="1" latinLnBrk="0" hangingPunct="1">
+              <a:spcBef>
+                <a:spcPct val="0"/>
+              </a:spcBef>
+              <a:buNone/>
+              <a:defRPr sz="5400" kern="1200">
+                <a:solidFill>
+                  <a:schemeClr val="accent1"/>
+                </a:solidFill>
+                <a:latin typeface="+mj-lt"/>
+                <a:ea typeface="+mj-ea"/>
+                <a:cs typeface="+mj-cs"/>
+              </a:defRPr>
+            </a:lvl1pPr>
+            <a:lvl2pPr eaLnBrk="1" hangingPunct="1">
+              <a:defRPr>
+                <a:solidFill>
+                  <a:schemeClr val="tx2"/>
+                </a:solidFill>
+              </a:defRPr>
+            </a:lvl2pPr>
+            <a:lvl3pPr eaLnBrk="1" hangingPunct="1">
+              <a:defRPr>
+                <a:solidFill>
+                  <a:schemeClr val="tx2"/>
+                </a:solidFill>
+              </a:defRPr>
+            </a:lvl3pPr>
+            <a:lvl4pPr eaLnBrk="1" hangingPunct="1">
+              <a:defRPr>
+                <a:solidFill>
+                  <a:schemeClr val="tx2"/>
+                </a:solidFill>
+              </a:defRPr>
+            </a:lvl4pPr>
+            <a:lvl5pPr eaLnBrk="1" hangingPunct="1">
+              <a:defRPr>
+                <a:solidFill>
+                  <a:schemeClr val="tx2"/>
+                </a:solidFill>
+              </a:defRPr>
+            </a:lvl5pPr>
+            <a:lvl6pPr eaLnBrk="1" hangingPunct="1">
+              <a:defRPr>
+                <a:solidFill>
+                  <a:schemeClr val="tx2"/>
+                </a:solidFill>
+              </a:defRPr>
+            </a:lvl6pPr>
+            <a:lvl7pPr eaLnBrk="1" hangingPunct="1">
+              <a:defRPr>
+                <a:solidFill>
+                  <a:schemeClr val="tx2"/>
+                </a:solidFill>
+              </a:defRPr>
+            </a:lvl7pPr>
+            <a:lvl8pPr eaLnBrk="1" hangingPunct="1">
+              <a:defRPr>
+                <a:solidFill>
+                  <a:schemeClr val="tx2"/>
+                </a:solidFill>
+              </a:defRPr>
+            </a:lvl8pPr>
+            <a:lvl9pPr eaLnBrk="1" hangingPunct="1">
+              <a:defRPr>
+                <a:solidFill>
+                  <a:schemeClr val="tx2"/>
+                </a:solidFill>
+              </a:defRPr>
+            </a:lvl9pPr>
+          </a:lstStyle>
+          <a:p>
+            <a:pPr algn="ctr"/>
+            <a:r>
+              <a:rPr lang="fr-FR" sz="1800" dirty="0" smtClean="0"/>
+              <a:t>Test 1</a:t>
+            </a:r>
+            <a:endParaRPr lang="fr-FR" sz="2800" dirty="0"/>
+          </a:p>
+        </p:txBody>
+      </p:sp>
+      <p:sp>
+        <p:nvSpPr>
+          <p:cNvPr id="12" name="Titre 3"/>
+          <p:cNvSpPr txBox="1">
+            <a:spLocks/>
+          </p:cNvSpPr>
+          <p:nvPr/>
+        </p:nvSpPr>
+        <p:spPr>
+          <a:xfrm>
+            <a:off x="3233399" y="4948534"/>
+            <a:ext cx="4319999" cy="363283"/>
+          </a:xfrm>
+          <a:prstGeom prst="rect">
+            <a:avLst/>
+          </a:prstGeom>
+        </p:spPr>
+        <p:txBody>
+          <a:bodyPr vert="horz" lIns="91440" tIns="45720" rIns="91440" bIns="45720" rtlCol="0" anchor="ctr">
+            <a:noAutofit/>
+          </a:bodyPr>
+          <a:lstStyle>
+            <a:lvl1pPr algn="r" defTabSz="457200" rtl="0" eaLnBrk="1" latinLnBrk="0" hangingPunct="1">
+              <a:spcBef>
+                <a:spcPct val="0"/>
+              </a:spcBef>
+              <a:buNone/>
+              <a:defRPr sz="5400" kern="1200">
+                <a:solidFill>
+                  <a:schemeClr val="accent1"/>
+                </a:solidFill>
+                <a:latin typeface="+mj-lt"/>
+                <a:ea typeface="+mj-ea"/>
+                <a:cs typeface="+mj-cs"/>
+              </a:defRPr>
+            </a:lvl1pPr>
+            <a:lvl2pPr eaLnBrk="1" hangingPunct="1">
+              <a:defRPr>
+                <a:solidFill>
+                  <a:schemeClr val="tx2"/>
+                </a:solidFill>
+              </a:defRPr>
+            </a:lvl2pPr>
+            <a:lvl3pPr eaLnBrk="1" hangingPunct="1">
+              <a:defRPr>
+                <a:solidFill>
+                  <a:schemeClr val="tx2"/>
+                </a:solidFill>
+              </a:defRPr>
+            </a:lvl3pPr>
+            <a:lvl4pPr eaLnBrk="1" hangingPunct="1">
+              <a:defRPr>
+                <a:solidFill>
+                  <a:schemeClr val="tx2"/>
+                </a:solidFill>
+              </a:defRPr>
+            </a:lvl4pPr>
+            <a:lvl5pPr eaLnBrk="1" hangingPunct="1">
+              <a:defRPr>
+                <a:solidFill>
+                  <a:schemeClr val="tx2"/>
+                </a:solidFill>
+              </a:defRPr>
+            </a:lvl5pPr>
+            <a:lvl6pPr eaLnBrk="1" hangingPunct="1">
+              <a:defRPr>
+                <a:solidFill>
+                  <a:schemeClr val="tx2"/>
+                </a:solidFill>
+              </a:defRPr>
+            </a:lvl6pPr>
+            <a:lvl7pPr eaLnBrk="1" hangingPunct="1">
+              <a:defRPr>
+                <a:solidFill>
+                  <a:schemeClr val="tx2"/>
+                </a:solidFill>
+              </a:defRPr>
+            </a:lvl7pPr>
+            <a:lvl8pPr eaLnBrk="1" hangingPunct="1">
+              <a:defRPr>
+                <a:solidFill>
+                  <a:schemeClr val="tx2"/>
+                </a:solidFill>
+              </a:defRPr>
+            </a:lvl8pPr>
+            <a:lvl9pPr eaLnBrk="1" hangingPunct="1">
+              <a:defRPr>
+                <a:solidFill>
+                  <a:schemeClr val="tx2"/>
+                </a:solidFill>
+              </a:defRPr>
+            </a:lvl9pPr>
+          </a:lstStyle>
+          <a:p>
+            <a:pPr algn="ctr"/>
+            <a:r>
+              <a:rPr lang="fr-FR" sz="1800" dirty="0" smtClean="0"/>
+              <a:t>Test 2</a:t>
+            </a:r>
+            <a:endParaRPr lang="fr-FR" sz="2800" dirty="0"/>
+          </a:p>
+        </p:txBody>
+      </p:sp>
+      <p:sp>
+        <p:nvSpPr>
+          <p:cNvPr id="13" name="Titre 3"/>
+          <p:cNvSpPr txBox="1">
+            <a:spLocks/>
+          </p:cNvSpPr>
+          <p:nvPr/>
+        </p:nvSpPr>
+        <p:spPr>
+          <a:xfrm>
+            <a:off x="7553398" y="4948533"/>
+            <a:ext cx="4320000" cy="363283"/>
+          </a:xfrm>
+          <a:prstGeom prst="rect">
+            <a:avLst/>
+          </a:prstGeom>
+        </p:spPr>
+        <p:txBody>
+          <a:bodyPr vert="horz" lIns="91440" tIns="45720" rIns="91440" bIns="45720" rtlCol="0" anchor="ctr">
+            <a:noAutofit/>
+          </a:bodyPr>
+          <a:lstStyle>
+            <a:lvl1pPr algn="r" defTabSz="457200" rtl="0" eaLnBrk="1" latinLnBrk="0" hangingPunct="1">
+              <a:spcBef>
+                <a:spcPct val="0"/>
+              </a:spcBef>
+              <a:buNone/>
+              <a:defRPr sz="5400" kern="1200">
+                <a:solidFill>
+                  <a:schemeClr val="accent1"/>
+                </a:solidFill>
+                <a:latin typeface="+mj-lt"/>
+                <a:ea typeface="+mj-ea"/>
+                <a:cs typeface="+mj-cs"/>
+              </a:defRPr>
+            </a:lvl1pPr>
+            <a:lvl2pPr eaLnBrk="1" hangingPunct="1">
+              <a:defRPr>
+                <a:solidFill>
+                  <a:schemeClr val="tx2"/>
+                </a:solidFill>
+              </a:defRPr>
+            </a:lvl2pPr>
+            <a:lvl3pPr eaLnBrk="1" hangingPunct="1">
+              <a:defRPr>
+                <a:solidFill>
+                  <a:schemeClr val="tx2"/>
+                </a:solidFill>
+              </a:defRPr>
+            </a:lvl3pPr>
+            <a:lvl4pPr eaLnBrk="1" hangingPunct="1">
+              <a:defRPr>
+                <a:solidFill>
+                  <a:schemeClr val="tx2"/>
+                </a:solidFill>
+              </a:defRPr>
+            </a:lvl4pPr>
+            <a:lvl5pPr eaLnBrk="1" hangingPunct="1">
+              <a:defRPr>
+                <a:solidFill>
+                  <a:schemeClr val="tx2"/>
+                </a:solidFill>
+              </a:defRPr>
+            </a:lvl5pPr>
+            <a:lvl6pPr eaLnBrk="1" hangingPunct="1">
+              <a:defRPr>
+                <a:solidFill>
+                  <a:schemeClr val="tx2"/>
+                </a:solidFill>
+              </a:defRPr>
+            </a:lvl6pPr>
+            <a:lvl7pPr eaLnBrk="1" hangingPunct="1">
+              <a:defRPr>
+                <a:solidFill>
+                  <a:schemeClr val="tx2"/>
+                </a:solidFill>
+              </a:defRPr>
+            </a:lvl7pPr>
+            <a:lvl8pPr eaLnBrk="1" hangingPunct="1">
+              <a:defRPr>
+                <a:solidFill>
+                  <a:schemeClr val="tx2"/>
+                </a:solidFill>
+              </a:defRPr>
+            </a:lvl8pPr>
+            <a:lvl9pPr eaLnBrk="1" hangingPunct="1">
+              <a:defRPr>
+                <a:solidFill>
+                  <a:schemeClr val="tx2"/>
+                </a:solidFill>
+              </a:defRPr>
+            </a:lvl9pPr>
+          </a:lstStyle>
+          <a:p>
+            <a:pPr algn="ctr"/>
+            <a:r>
+              <a:rPr lang="fr-FR" sz="1800" dirty="0" smtClean="0">
+                <a:solidFill>
+                  <a:schemeClr val="tx1"/>
+                </a:solidFill>
+              </a:rPr>
+              <a:t>Test additionnel</a:t>
+            </a:r>
+            <a:endParaRPr lang="fr-FR" sz="2800" dirty="0">
+              <a:solidFill>
+                <a:schemeClr val="tx1"/>
+              </a:solidFill>
+            </a:endParaRPr>
+          </a:p>
+        </p:txBody>
+      </p:sp>
+      <p:pic>
+        <p:nvPicPr>
+          <p:cNvPr id="14" name="Image 13"/>
+          <p:cNvPicPr>
+            <a:picLocks/>
+          </p:cNvPicPr>
+          <p:nvPr/>
+        </p:nvPicPr>
+        <p:blipFill>
+          <a:blip r:embed="rId2"/>
+          <a:stretch>
+            <a:fillRect/>
+          </a:stretch>
+        </p:blipFill>
+        <p:spPr>
+          <a:xfrm>
+            <a:off x="533399" y="1351819"/>
+            <a:ext cx="2700000" cy="3600000"/>
+          </a:xfrm>
+          <a:prstGeom prst="rect">
+            <a:avLst/>
+          </a:prstGeom>
+        </p:spPr>
+      </p:pic>
+      <p:pic>
+        <p:nvPicPr>
+          <p:cNvPr id="15" name="Image 14"/>
+          <p:cNvPicPr>
+            <a:picLocks/>
+          </p:cNvPicPr>
+          <p:nvPr/>
+        </p:nvPicPr>
+        <p:blipFill>
+          <a:blip r:embed="rId3"/>
+          <a:stretch>
+            <a:fillRect/>
+          </a:stretch>
+        </p:blipFill>
+        <p:spPr>
+          <a:xfrm>
+            <a:off x="3233399" y="1351819"/>
+            <a:ext cx="4320000" cy="3600000"/>
+          </a:xfrm>
+          <a:prstGeom prst="rect">
+            <a:avLst/>
+          </a:prstGeom>
+        </p:spPr>
+      </p:pic>
+      <p:pic>
+        <p:nvPicPr>
+          <p:cNvPr id="16" name="Image 15"/>
+          <p:cNvPicPr>
+            <a:picLocks/>
+          </p:cNvPicPr>
+          <p:nvPr/>
+        </p:nvPicPr>
+        <p:blipFill>
+          <a:blip r:embed="rId4"/>
+          <a:stretch>
+            <a:fillRect/>
+          </a:stretch>
+        </p:blipFill>
+        <p:spPr>
+          <a:xfrm>
+            <a:off x="7553399" y="1351819"/>
+            <a:ext cx="4320000" cy="3600000"/>
+          </a:xfrm>
+          <a:prstGeom prst="rect">
+            <a:avLst/>
+          </a:prstGeom>
+        </p:spPr>
+      </p:pic>
+      <p:sp>
+        <p:nvSpPr>
+          <p:cNvPr id="17" name="Rectangle 16"/>
+          <p:cNvSpPr/>
+          <p:nvPr/>
+        </p:nvSpPr>
+        <p:spPr>
+          <a:xfrm>
+            <a:off x="809625" y="3873387"/>
+            <a:ext cx="2423774" cy="184263"/>
+          </a:xfrm>
+          <a:prstGeom prst="rect">
+            <a:avLst/>
+          </a:prstGeom>
+          <a:solidFill>
+            <a:schemeClr val="accent6">
+              <a:alpha val="26000"/>
+            </a:schemeClr>
+          </a:solidFill>
+          <a:ln>
+            <a:solidFill>
+              <a:schemeClr val="accent4"/>
+            </a:solidFill>
+          </a:ln>
+        </p:spPr>
+        <p:style>
+          <a:lnRef idx="2">
+            <a:schemeClr val="accent1">
+              <a:shade val="50000"/>
+            </a:schemeClr>
+          </a:lnRef>
+          <a:fillRef idx="1">
+            <a:schemeClr val="accent1"/>
+          </a:fillRef>
+          <a:effectRef idx="0">
+            <a:schemeClr val="accent1"/>
+          </a:effectRef>
+          <a:fontRef idx="minor">
+            <a:schemeClr val="lt1"/>
+          </a:fontRef>
+        </p:style>
+        <p:txBody>
+          <a:bodyPr rtlCol="0" anchor="ctr"/>
+          <a:lstStyle/>
+          <a:p>
+            <a:pPr algn="ctr"/>
+            <a:endParaRPr lang="fr-FR"/>
+          </a:p>
+        </p:txBody>
+      </p:sp>
+      <p:sp>
+        <p:nvSpPr>
+          <p:cNvPr id="18" name="Rectangle 17"/>
+          <p:cNvSpPr/>
+          <p:nvPr/>
+        </p:nvSpPr>
+        <p:spPr>
+          <a:xfrm>
+            <a:off x="3590924" y="1670045"/>
+            <a:ext cx="3962474" cy="887718"/>
+          </a:xfrm>
+          <a:prstGeom prst="rect">
+            <a:avLst/>
+          </a:prstGeom>
+          <a:solidFill>
+            <a:srgbClr val="FF0000">
+              <a:alpha val="26000"/>
+            </a:srgbClr>
+          </a:solidFill>
+          <a:ln>
+            <a:solidFill>
+              <a:srgbClr val="FF0000"/>
+            </a:solidFill>
+          </a:ln>
+        </p:spPr>
+        <p:style>
+          <a:lnRef idx="2">
+            <a:schemeClr val="accent1">
+              <a:shade val="50000"/>
+            </a:schemeClr>
+          </a:lnRef>
+          <a:fillRef idx="1">
+            <a:schemeClr val="accent1"/>
+          </a:fillRef>
+          <a:effectRef idx="0">
+            <a:schemeClr val="accent1"/>
+          </a:effectRef>
+          <a:fontRef idx="minor">
+            <a:schemeClr val="lt1"/>
+          </a:fontRef>
+        </p:style>
+        <p:txBody>
+          <a:bodyPr rtlCol="0" anchor="ctr"/>
+          <a:lstStyle/>
+          <a:p>
+            <a:pPr algn="ctr"/>
+            <a:endParaRPr lang="fr-FR"/>
+          </a:p>
+        </p:txBody>
+      </p:sp>
+      <p:sp>
+        <p:nvSpPr>
+          <p:cNvPr id="19" name="Rectangle 18"/>
+          <p:cNvSpPr/>
+          <p:nvPr/>
+        </p:nvSpPr>
+        <p:spPr>
+          <a:xfrm>
+            <a:off x="3590924" y="2991165"/>
+            <a:ext cx="3962474" cy="580709"/>
+          </a:xfrm>
+          <a:prstGeom prst="rect">
+            <a:avLst/>
+          </a:prstGeom>
+          <a:solidFill>
+            <a:schemeClr val="accent6">
+              <a:alpha val="26000"/>
+            </a:schemeClr>
+          </a:solidFill>
+          <a:ln>
+            <a:solidFill>
+              <a:schemeClr val="accent4"/>
+            </a:solidFill>
+          </a:ln>
+        </p:spPr>
+        <p:style>
+          <a:lnRef idx="2">
+            <a:schemeClr val="accent1">
+              <a:shade val="50000"/>
+            </a:schemeClr>
+          </a:lnRef>
+          <a:fillRef idx="1">
+            <a:schemeClr val="accent1"/>
+          </a:fillRef>
+          <a:effectRef idx="0">
+            <a:schemeClr val="accent1"/>
+          </a:effectRef>
+          <a:fontRef idx="minor">
+            <a:schemeClr val="lt1"/>
+          </a:fontRef>
+        </p:style>
+        <p:txBody>
+          <a:bodyPr rtlCol="0" anchor="ctr"/>
+          <a:lstStyle/>
+          <a:p>
+            <a:pPr algn="ctr"/>
+            <a:endParaRPr lang="fr-FR"/>
+          </a:p>
+        </p:txBody>
+      </p:sp>
+      <p:sp>
+        <p:nvSpPr>
+          <p:cNvPr id="20" name="Rectangle 19"/>
+          <p:cNvSpPr/>
+          <p:nvPr/>
+        </p:nvSpPr>
+        <p:spPr>
+          <a:xfrm>
+            <a:off x="7910924" y="1629091"/>
+            <a:ext cx="3962474" cy="314010"/>
+          </a:xfrm>
+          <a:prstGeom prst="rect">
+            <a:avLst/>
+          </a:prstGeom>
+          <a:solidFill>
+            <a:schemeClr val="accent6">
+              <a:alpha val="26000"/>
+            </a:schemeClr>
+          </a:solidFill>
+          <a:ln>
+            <a:solidFill>
+              <a:schemeClr val="accent4"/>
+            </a:solidFill>
+          </a:ln>
+        </p:spPr>
+        <p:style>
+          <a:lnRef idx="2">
+            <a:schemeClr val="accent1">
+              <a:shade val="50000"/>
+            </a:schemeClr>
+          </a:lnRef>
+          <a:fillRef idx="1">
+            <a:schemeClr val="accent1"/>
+          </a:fillRef>
+          <a:effectRef idx="0">
+            <a:schemeClr val="accent1"/>
+          </a:effectRef>
+          <a:fontRef idx="minor">
+            <a:schemeClr val="lt1"/>
+          </a:fontRef>
+        </p:style>
+        <p:txBody>
+          <a:bodyPr rtlCol="0" anchor="ctr"/>
+          <a:lstStyle/>
+          <a:p>
+            <a:pPr algn="ctr"/>
+            <a:endParaRPr lang="fr-FR"/>
+          </a:p>
+        </p:txBody>
+      </p:sp>
+      <p:sp>
+        <p:nvSpPr>
+          <p:cNvPr id="21" name="Rectangle 20"/>
+          <p:cNvSpPr/>
+          <p:nvPr/>
+        </p:nvSpPr>
+        <p:spPr>
+          <a:xfrm>
+            <a:off x="7910924" y="2243753"/>
+            <a:ext cx="3962474" cy="314010"/>
+          </a:xfrm>
+          <a:prstGeom prst="rect">
+            <a:avLst/>
+          </a:prstGeom>
+          <a:solidFill>
+            <a:schemeClr val="accent6">
+              <a:alpha val="26000"/>
+            </a:schemeClr>
+          </a:solidFill>
+          <a:ln>
+            <a:solidFill>
+              <a:schemeClr val="accent4"/>
+            </a:solidFill>
+          </a:ln>
+        </p:spPr>
+        <p:style>
+          <a:lnRef idx="2">
+            <a:schemeClr val="accent1">
+              <a:shade val="50000"/>
+            </a:schemeClr>
+          </a:lnRef>
+          <a:fillRef idx="1">
+            <a:schemeClr val="accent1"/>
+          </a:fillRef>
+          <a:effectRef idx="0">
+            <a:schemeClr val="accent1"/>
+          </a:effectRef>
+          <a:fontRef idx="minor">
+            <a:schemeClr val="lt1"/>
+          </a:fontRef>
+        </p:style>
+        <p:txBody>
+          <a:bodyPr rtlCol="0" anchor="ctr"/>
+          <a:lstStyle/>
+          <a:p>
+            <a:pPr algn="ctr"/>
+            <a:endParaRPr lang="fr-FR"/>
+          </a:p>
+        </p:txBody>
+      </p:sp>
+      <p:sp>
+        <p:nvSpPr>
+          <p:cNvPr id="22" name="Rectangle 21"/>
+          <p:cNvSpPr/>
+          <p:nvPr/>
+        </p:nvSpPr>
+        <p:spPr>
+          <a:xfrm>
+            <a:off x="7910922" y="3029428"/>
+            <a:ext cx="3962475" cy="132872"/>
+          </a:xfrm>
+          <a:prstGeom prst="rect">
+            <a:avLst/>
+          </a:prstGeom>
+          <a:solidFill>
+            <a:srgbClr val="FF0000">
+              <a:alpha val="26000"/>
+            </a:srgbClr>
+          </a:solidFill>
+          <a:ln>
+            <a:solidFill>
+              <a:srgbClr val="FF0000"/>
+            </a:solidFill>
+          </a:ln>
+        </p:spPr>
+        <p:style>
+          <a:lnRef idx="2">
+            <a:schemeClr val="accent1">
+              <a:shade val="50000"/>
+            </a:schemeClr>
+          </a:lnRef>
+          <a:fillRef idx="1">
+            <a:schemeClr val="accent1"/>
+          </a:fillRef>
+          <a:effectRef idx="0">
+            <a:schemeClr val="accent1"/>
+          </a:effectRef>
+          <a:fontRef idx="minor">
+            <a:schemeClr val="lt1"/>
+          </a:fontRef>
+        </p:style>
+        <p:txBody>
+          <a:bodyPr rtlCol="0" anchor="ctr"/>
+          <a:lstStyle/>
+          <a:p>
+            <a:pPr algn="ctr"/>
+            <a:endParaRPr lang="fr-FR"/>
+          </a:p>
+        </p:txBody>
+      </p:sp>
+      <p:sp>
+        <p:nvSpPr>
+          <p:cNvPr id="23" name="Rectangle 22"/>
+          <p:cNvSpPr/>
+          <p:nvPr/>
+        </p:nvSpPr>
+        <p:spPr>
+          <a:xfrm>
+            <a:off x="809625" y="3299200"/>
+            <a:ext cx="2423774" cy="129800"/>
+          </a:xfrm>
+          <a:prstGeom prst="rect">
+            <a:avLst/>
+          </a:prstGeom>
+          <a:solidFill>
+            <a:srgbClr val="FF0000">
+              <a:alpha val="26000"/>
+            </a:srgbClr>
+          </a:solidFill>
+          <a:ln>
+            <a:solidFill>
+              <a:srgbClr val="FF0000"/>
+            </a:solidFill>
+          </a:ln>
+        </p:spPr>
+        <p:style>
+          <a:lnRef idx="2">
+            <a:schemeClr val="accent1">
+              <a:shade val="50000"/>
+            </a:schemeClr>
+          </a:lnRef>
+          <a:fillRef idx="1">
+            <a:schemeClr val="accent1"/>
+          </a:fillRef>
+          <a:effectRef idx="0">
+            <a:schemeClr val="accent1"/>
+          </a:effectRef>
+          <a:fontRef idx="minor">
+            <a:schemeClr val="lt1"/>
+          </a:fontRef>
+        </p:style>
+        <p:txBody>
+          <a:bodyPr rtlCol="0" anchor="ctr"/>
+          <a:lstStyle/>
+          <a:p>
+            <a:pPr algn="ctr"/>
+            <a:endParaRPr lang="fr-FR"/>
+          </a:p>
+        </p:txBody>
+      </p:sp>
+    </p:spTree>
+    <p:extLst>
+      <p:ext uri="{BB962C8B-B14F-4D97-AF65-F5344CB8AC3E}">
+        <p14:creationId xmlns:p14="http://schemas.microsoft.com/office/powerpoint/2010/main" val="3979165702"/>
+      </p:ext>
+    </p:extLst>
+  </p:cSld>
+  <p:clrMapOvr>
+    <a:masterClrMapping/>
+  </p:clrMapOvr>
+  <mc:AlternateContent xmlns:mc="http://schemas.openxmlformats.org/markup-compatibility/2006" xmlns:p14="http://schemas.microsoft.com/office/powerpoint/2010/main">
+    <mc:Choice Requires="p14">
+      <p:transition p14:dur="0"/>
+    </mc:Choice>
+    <mc:Fallback xmlns="">
+      <p:transition/>
+    </mc:Fallback>
+  </mc:AlternateContent>
+  <p:timing>
+    <p:tnLst>
+      <p:par>
+        <p:cTn id="1" dur="indefinite" restart="never" nodeType="tmRoot"/>
+      </p:par>
+    </p:tnLst>
+  </p:timing>
+</p:sld>
+</file>
+
+<file path=ppt/slides/slide21.xml><?xml version="1.0" encoding="utf-8"?>
 <p:sld xmlns:a="http://schemas.openxmlformats.org/drawingml/2006/main" xmlns:r="http://schemas.openxmlformats.org/officeDocument/2006/relationships" xmlns:p="http://schemas.openxmlformats.org/presentationml/2006/main">
   <p:cSld>
     <p:spTree>
@@ -20085,11 +21612,11 @@
   <p:clrMapOvr>
     <a:masterClrMapping/>
   </p:clrMapOvr>
-  <mc:AlternateContent xmlns:mc="http://schemas.openxmlformats.org/markup-compatibility/2006">
-    <mc:Choice xmlns:p14="http://schemas.microsoft.com/office/powerpoint/2010/main" Requires="p14">
+  <mc:AlternateContent xmlns:mc="http://schemas.openxmlformats.org/markup-compatibility/2006" xmlns:p14="http://schemas.microsoft.com/office/powerpoint/2010/main">
+    <mc:Choice Requires="p14">
       <p:transition p14:dur="0"/>
     </mc:Choice>
-    <mc:Fallback>
+    <mc:Fallback xmlns="">
       <p:transition/>
     </mc:Fallback>
   </mc:AlternateContent>
@@ -20103,7 +21630,7 @@
 </p:sld>
 </file>
 
-<file path=ppt/slides/slide2.xml><?xml version="1.0" encoding="utf-8"?>
+<file path=ppt/slides/slide22.xml><?xml version="1.0" encoding="utf-8"?>
 <p:sld xmlns:a="http://schemas.openxmlformats.org/drawingml/2006/main" xmlns:r="http://schemas.openxmlformats.org/officeDocument/2006/relationships" xmlns:p="http://schemas.openxmlformats.org/presentationml/2006/main">
   <p:cSld>
     <p:spTree>
@@ -20122,7 +21649,7 @@
       </p:grpSpPr>
       <p:sp>
         <p:nvSpPr>
-          <p:cNvPr id="6" name="Titre 3"/>
+          <p:cNvPr id="4" name="Titre 3"/>
           <p:cNvSpPr>
             <a:spLocks noGrp="1"/>
           </p:cNvSpPr>
@@ -20142,8 +21669,12 @@
           <a:p>
             <a:pPr algn="l"/>
             <a:r>
+              <a:rPr lang="fr-FR" dirty="0"/>
+              <a:t>6</a:t>
+            </a:r>
+            <a:r>
               <a:rPr lang="fr-FR" dirty="0" smtClean="0"/>
-              <a:t>Sommaire</a:t>
+              <a:t> –Test additionnel</a:t>
             </a:r>
             <a:endParaRPr lang="fr-FR" dirty="0"/>
           </a:p>
@@ -20151,14 +21682,117 @@
       </p:sp>
       <p:sp>
         <p:nvSpPr>
-          <p:cNvPr id="7" name="ZoneTexte 6"/>
+          <p:cNvPr id="11" name="Titre 3"/>
+          <p:cNvSpPr txBox="1">
+            <a:spLocks/>
+          </p:cNvSpPr>
+          <p:nvPr/>
+        </p:nvSpPr>
+        <p:spPr>
+          <a:xfrm>
+            <a:off x="1066799" y="1261534"/>
+            <a:ext cx="7924801" cy="702734"/>
+          </a:xfrm>
+          <a:prstGeom prst="rect">
+            <a:avLst/>
+          </a:prstGeom>
+        </p:spPr>
+        <p:txBody>
+          <a:bodyPr vert="horz" lIns="91440" tIns="45720" rIns="91440" bIns="45720" rtlCol="0" anchor="ctr">
+            <a:noAutofit/>
+          </a:bodyPr>
+          <a:lstStyle>
+            <a:lvl1pPr algn="r" defTabSz="457200" rtl="0" eaLnBrk="1" latinLnBrk="0" hangingPunct="1">
+              <a:spcBef>
+                <a:spcPct val="0"/>
+              </a:spcBef>
+              <a:buNone/>
+              <a:defRPr sz="5400" kern="1200">
+                <a:solidFill>
+                  <a:schemeClr val="accent1"/>
+                </a:solidFill>
+                <a:latin typeface="+mj-lt"/>
+                <a:ea typeface="+mj-ea"/>
+                <a:cs typeface="+mj-cs"/>
+              </a:defRPr>
+            </a:lvl1pPr>
+            <a:lvl2pPr eaLnBrk="1" hangingPunct="1">
+              <a:defRPr>
+                <a:solidFill>
+                  <a:schemeClr val="tx2"/>
+                </a:solidFill>
+              </a:defRPr>
+            </a:lvl2pPr>
+            <a:lvl3pPr eaLnBrk="1" hangingPunct="1">
+              <a:defRPr>
+                <a:solidFill>
+                  <a:schemeClr val="tx2"/>
+                </a:solidFill>
+              </a:defRPr>
+            </a:lvl3pPr>
+            <a:lvl4pPr eaLnBrk="1" hangingPunct="1">
+              <a:defRPr>
+                <a:solidFill>
+                  <a:schemeClr val="tx2"/>
+                </a:solidFill>
+              </a:defRPr>
+            </a:lvl4pPr>
+            <a:lvl5pPr eaLnBrk="1" hangingPunct="1">
+              <a:defRPr>
+                <a:solidFill>
+                  <a:schemeClr val="tx2"/>
+                </a:solidFill>
+              </a:defRPr>
+            </a:lvl5pPr>
+            <a:lvl6pPr eaLnBrk="1" hangingPunct="1">
+              <a:defRPr>
+                <a:solidFill>
+                  <a:schemeClr val="tx2"/>
+                </a:solidFill>
+              </a:defRPr>
+            </a:lvl6pPr>
+            <a:lvl7pPr eaLnBrk="1" hangingPunct="1">
+              <a:defRPr>
+                <a:solidFill>
+                  <a:schemeClr val="tx2"/>
+                </a:solidFill>
+              </a:defRPr>
+            </a:lvl7pPr>
+            <a:lvl8pPr eaLnBrk="1" hangingPunct="1">
+              <a:defRPr>
+                <a:solidFill>
+                  <a:schemeClr val="tx2"/>
+                </a:solidFill>
+              </a:defRPr>
+            </a:lvl8pPr>
+            <a:lvl9pPr eaLnBrk="1" hangingPunct="1">
+              <a:defRPr>
+                <a:solidFill>
+                  <a:schemeClr val="tx2"/>
+                </a:solidFill>
+              </a:defRPr>
+            </a:lvl9pPr>
+          </a:lstStyle>
+          <a:p>
+            <a:pPr algn="l"/>
+            <a:r>
+              <a:rPr lang="fr-FR" sz="1800" dirty="0" smtClean="0"/>
+              <a:t>9 clusters et data set ensemble</a:t>
+            </a:r>
+            <a:endParaRPr lang="fr-FR" sz="2800" dirty="0"/>
+          </a:p>
+        </p:txBody>
+      </p:sp>
+      <p:sp>
+        <p:nvSpPr>
+          <p:cNvPr id="6" name="ZoneTexte 5"/>
           <p:cNvSpPr txBox="1"/>
           <p:nvPr/>
         </p:nvSpPr>
         <p:spPr>
           <a:xfrm>
-            <a:off x="1066799" y="1582340"/>
-            <a:ext cx="4076700" cy="3970318"/>
+            <a:off x="0" y="6488668"/>
+            <a:ext cx="1066798" cy="369332"/>
           </a:xfrm>
           <a:prstGeom prst="rect">
             <a:avLst/>
@@ -20171,90 +21805,54 @@
           </a:bodyPr>
           <a:lstStyle/>
           <a:p>
-            <a:pPr marL="342900" indent="-342900">
-              <a:buFont typeface="+mj-lt"/>
-              <a:buAutoNum type="arabicPeriod"/>
-            </a:pPr>
+            <a:pPr algn="ctr"/>
             <a:r>
               <a:rPr lang="fr-FR" dirty="0" smtClean="0"/>
-              <a:t>Test 1 – 1 modelé par médicament et hôpital / Data set unifié</a:t>
-            </a:r>
-          </a:p>
-          <a:p>
-            <a:pPr marL="342900" indent="-342900">
-              <a:buFont typeface="+mj-lt"/>
-              <a:buAutoNum type="arabicPeriod"/>
-            </a:pPr>
-            <a:r>
-              <a:rPr lang="fr-FR" dirty="0" smtClean="0"/>
-              <a:t>Test 2 – 1 modelé par cluster et hôpital / Data set unifié</a:t>
-            </a:r>
-          </a:p>
-          <a:p>
-            <a:pPr marL="342900" indent="-342900">
-              <a:buFont typeface="+mj-lt"/>
-              <a:buAutoNum type="arabicPeriod"/>
-            </a:pPr>
-            <a:r>
-              <a:rPr lang="fr-FR" dirty="0" smtClean="0"/>
-              <a:t>Test 3 – 1 modelé par cluster et hôpital / Data set unifié / test sans 1 médicament</a:t>
+              <a:t>16</a:t>
             </a:r>
             <a:endParaRPr lang="fr-FR" dirty="0"/>
           </a:p>
-          <a:p>
-            <a:pPr marL="342900" indent="-342900">
-              <a:buFont typeface="+mj-lt"/>
-              <a:buAutoNum type="arabicPeriod"/>
-            </a:pPr>
-            <a:r>
-              <a:rPr lang="fr-FR" dirty="0" smtClean="0"/>
-              <a:t>Test 4 – 1 modelé par cluster et hôpital / Data set unifié / test sans 1 hôpital</a:t>
-            </a:r>
-            <a:endParaRPr lang="fr-FR" dirty="0"/>
-          </a:p>
-          <a:p>
-            <a:pPr marL="342900" indent="-342900">
-              <a:buFont typeface="+mj-lt"/>
-              <a:buAutoNum type="arabicPeriod"/>
-            </a:pPr>
-            <a:r>
-              <a:rPr lang="fr-FR" dirty="0" smtClean="0"/>
-              <a:t>Comparaison entre les tests</a:t>
-            </a:r>
-          </a:p>
-          <a:p>
-            <a:pPr marL="342900" indent="-342900">
-              <a:buFont typeface="+mj-lt"/>
-              <a:buAutoNum type="arabicPeriod"/>
-            </a:pPr>
-            <a:r>
-              <a:rPr lang="fr-FR" dirty="0" smtClean="0"/>
-              <a:t>Test additionnel</a:t>
-            </a:r>
-          </a:p>
-          <a:p>
-            <a:endParaRPr lang="fr-FR" dirty="0" smtClean="0"/>
-          </a:p>
-          <a:p>
-            <a:endParaRPr lang="fr-FR" dirty="0" smtClean="0"/>
-          </a:p>
         </p:txBody>
       </p:sp>
+      <p:pic>
+        <p:nvPicPr>
+          <p:cNvPr id="2" name="Image 1"/>
+          <p:cNvPicPr>
+            <a:picLocks noChangeAspect="1"/>
+          </p:cNvPicPr>
+          <p:nvPr/>
+        </p:nvPicPr>
+        <p:blipFill>
+          <a:blip r:embed="rId2"/>
+          <a:stretch>
+            <a:fillRect/>
+          </a:stretch>
+        </p:blipFill>
+        <p:spPr>
+          <a:xfrm>
+            <a:off x="4039321" y="1964268"/>
+            <a:ext cx="4113357" cy="4623667"/>
+          </a:xfrm>
+          <a:prstGeom prst="rect">
+            <a:avLst/>
+          </a:prstGeom>
+        </p:spPr>
+      </p:pic>
     </p:spTree>
     <p:extLst>
       <p:ext uri="{BB962C8B-B14F-4D97-AF65-F5344CB8AC3E}">
-        <p14:creationId xmlns:p14="http://schemas.microsoft.com/office/powerpoint/2010/main" val="186978591"/>
+        <p14:creationId xmlns:p14="http://schemas.microsoft.com/office/powerpoint/2010/main" val="2010514688"/>
       </p:ext>
     </p:extLst>
   </p:cSld>
   <p:clrMapOvr>
     <a:masterClrMapping/>
   </p:clrMapOvr>
-  <mc:AlternateContent xmlns:mc="http://schemas.openxmlformats.org/markup-compatibility/2006">
-    <mc:Choice xmlns:p14="http://schemas.microsoft.com/office/powerpoint/2010/main" Requires="p14">
+  <mc:AlternateContent xmlns:mc="http://schemas.openxmlformats.org/markup-compatibility/2006" xmlns:p14="http://schemas.microsoft.com/office/powerpoint/2010/main">
+    <mc:Choice Requires="p14">
       <p:transition p14:dur="0"/>
     </mc:Choice>
-    <mc:Fallback>
+    <mc:Fallback xmlns="">
       <p:transition/>
     </mc:Fallback>
   </mc:AlternateContent>
@@ -20682,11 +22280,11 @@
   <p:clrMapOvr>
     <a:masterClrMapping/>
   </p:clrMapOvr>
-  <mc:AlternateContent xmlns:mc="http://schemas.openxmlformats.org/markup-compatibility/2006">
-    <mc:Choice xmlns:p14="http://schemas.microsoft.com/office/powerpoint/2010/main" Requires="p14">
+  <mc:AlternateContent xmlns:mc="http://schemas.openxmlformats.org/markup-compatibility/2006" xmlns:p14="http://schemas.microsoft.com/office/powerpoint/2010/main">
+    <mc:Choice Requires="p14">
       <p:transition p14:dur="0"/>
     </mc:Choice>
-    <mc:Fallback>
+    <mc:Fallback xmlns="">
       <p:transition/>
     </mc:Fallback>
   </mc:AlternateContent>
@@ -21113,11 +22711,11 @@
   <p:clrMapOvr>
     <a:masterClrMapping/>
   </p:clrMapOvr>
-  <mc:AlternateContent xmlns:mc="http://schemas.openxmlformats.org/markup-compatibility/2006">
-    <mc:Choice xmlns:p14="http://schemas.microsoft.com/office/powerpoint/2010/main" Requires="p14">
+  <mc:AlternateContent xmlns:mc="http://schemas.openxmlformats.org/markup-compatibility/2006" xmlns:p14="http://schemas.microsoft.com/office/powerpoint/2010/main">
+    <mc:Choice Requires="p14">
       <p:transition p14:dur="0"/>
     </mc:Choice>
-    <mc:Fallback>
+    <mc:Fallback xmlns="">
       <p:transition/>
     </mc:Fallback>
   </mc:AlternateContent>
@@ -21353,11 +22951,11 @@
   <p:clrMapOvr>
     <a:masterClrMapping/>
   </p:clrMapOvr>
-  <mc:AlternateContent xmlns:mc="http://schemas.openxmlformats.org/markup-compatibility/2006">
-    <mc:Choice xmlns:p14="http://schemas.microsoft.com/office/powerpoint/2010/main" Requires="p14">
+  <mc:AlternateContent xmlns:mc="http://schemas.openxmlformats.org/markup-compatibility/2006" xmlns:p14="http://schemas.microsoft.com/office/powerpoint/2010/main">
+    <mc:Choice Requires="p14">
       <p:transition p14:dur="0"/>
     </mc:Choice>
-    <mc:Fallback>
+    <mc:Fallback xmlns="">
       <p:transition/>
     </mc:Fallback>
   </mc:AlternateContent>
@@ -21685,11 +23283,11 @@
   <p:clrMapOvr>
     <a:masterClrMapping/>
   </p:clrMapOvr>
-  <mc:AlternateContent xmlns:mc="http://schemas.openxmlformats.org/markup-compatibility/2006">
-    <mc:Choice xmlns:p14="http://schemas.microsoft.com/office/powerpoint/2010/main" Requires="p14">
+  <mc:AlternateContent xmlns:mc="http://schemas.openxmlformats.org/markup-compatibility/2006" xmlns:p14="http://schemas.microsoft.com/office/powerpoint/2010/main">
+    <mc:Choice Requires="p14">
       <p:transition p14:dur="0"/>
     </mc:Choice>
-    <mc:Fallback>
+    <mc:Fallback xmlns="">
       <p:transition/>
     </mc:Fallback>
   </mc:AlternateContent>
@@ -22185,11 +23783,11 @@
   <p:clrMapOvr>
     <a:masterClrMapping/>
   </p:clrMapOvr>
-  <mc:AlternateContent xmlns:mc="http://schemas.openxmlformats.org/markup-compatibility/2006">
-    <mc:Choice xmlns:p14="http://schemas.microsoft.com/office/powerpoint/2010/main" Requires="p14">
+  <mc:AlternateContent xmlns:mc="http://schemas.openxmlformats.org/markup-compatibility/2006" xmlns:p14="http://schemas.microsoft.com/office/powerpoint/2010/main">
+    <mc:Choice Requires="p14">
       <p:transition p14:dur="10"/>
     </mc:Choice>
-    <mc:Fallback>
+    <mc:Fallback xmlns="">
       <p:transition/>
     </mc:Fallback>
   </mc:AlternateContent>
@@ -22712,11 +24310,11 @@
   <p:clrMapOvr>
     <a:masterClrMapping/>
   </p:clrMapOvr>
-  <mc:AlternateContent xmlns:mc="http://schemas.openxmlformats.org/markup-compatibility/2006">
-    <mc:Choice xmlns:p14="http://schemas.microsoft.com/office/powerpoint/2010/main" Requires="p14">
+  <mc:AlternateContent xmlns:mc="http://schemas.openxmlformats.org/markup-compatibility/2006" xmlns:p14="http://schemas.microsoft.com/office/powerpoint/2010/main">
+    <mc:Choice Requires="p14">
       <p:transition p14:dur="0"/>
     </mc:Choice>
-    <mc:Fallback>
+    <mc:Fallback xmlns="">
       <p:transition/>
     </mc:Fallback>
   </mc:AlternateContent>
@@ -22956,11 +24554,11 @@
   <p:clrMapOvr>
     <a:masterClrMapping/>
   </p:clrMapOvr>
-  <mc:AlternateContent xmlns:mc="http://schemas.openxmlformats.org/markup-compatibility/2006">
-    <mc:Choice xmlns:p14="http://schemas.microsoft.com/office/powerpoint/2010/main" Requires="p14">
+  <mc:AlternateContent xmlns:mc="http://schemas.openxmlformats.org/markup-compatibility/2006" xmlns:p14="http://schemas.microsoft.com/office/powerpoint/2010/main">
+    <mc:Choice Requires="p14">
       <p:transition p14:dur="0"/>
     </mc:Choice>
-    <mc:Fallback>
+    <mc:Fallback xmlns="">
       <p:transition/>
     </mc:Fallback>
   </mc:AlternateContent>
